--- a/PPT/Stock market Analyser.pptx
+++ b/PPT/Stock market Analyser.pptx
@@ -1,75 +1,53 @@
 
 <file path=ppt/presentation.xml><?xml version="1.0" encoding="utf-8"?>
-<p:presentation xmlns:a="http://schemas.openxmlformats.org/drawingml/2006/main" xmlns:r="http://schemas.openxmlformats.org/officeDocument/2006/relationships" xmlns:p="http://schemas.openxmlformats.org/presentationml/2006/main" saveSubsetFonts="1" embedTrueTypeFonts="true">
+<p:presentation xmlns:a="http://schemas.openxmlformats.org/drawingml/2006/main" xmlns:r="http://schemas.openxmlformats.org/officeDocument/2006/relationships" xmlns:p="http://schemas.openxmlformats.org/presentationml/2006/main" embedTrueTypeFonts="1" saveSubsetFonts="1">
   <p:sldMasterIdLst>
     <p:sldMasterId id="2147483648" r:id="rId1"/>
   </p:sldMasterIdLst>
   <p:sldIdLst>
-    <p:sldId id="256" r:id="rId20"/>
-    <p:sldId id="257" r:id="rId21"/>
-    <p:sldId id="258" r:id="rId22"/>
-    <p:sldId id="259" r:id="rId23"/>
-    <p:sldId id="260" r:id="rId24"/>
-    <p:sldId id="261" r:id="rId25"/>
+    <p:sldId id="256" r:id="rId2"/>
+    <p:sldId id="257" r:id="rId3"/>
+    <p:sldId id="258" r:id="rId4"/>
+    <p:sldId id="259" r:id="rId5"/>
+    <p:sldId id="260" r:id="rId6"/>
+    <p:sldId id="261" r:id="rId7"/>
   </p:sldIdLst>
   <p:sldSz cx="18288000" cy="10287000"/>
   <p:notesSz cx="6858000" cy="9144000"/>
   <p:embeddedFontLst>
     <p:embeddedFont>
-      <p:font typeface="Arimo" charset="1" panose="020B0604020202020204"/>
-      <p:regular r:id="rId6"/>
+      <p:font typeface="Arial Black" panose="020B0A04020102020204" pitchFamily="34" charset="0"/>
+      <p:bold r:id="rId8"/>
     </p:embeddedFont>
     <p:embeddedFont>
-      <p:font typeface="Arimo Bold" charset="1" panose="020B0704020202020204"/>
-      <p:regular r:id="rId7"/>
-    </p:embeddedFont>
-    <p:embeddedFont>
-      <p:font typeface="Arimo Italics" charset="1" panose="020B0604020202090204"/>
-      <p:regular r:id="rId8"/>
-    </p:embeddedFont>
-    <p:embeddedFont>
-      <p:font typeface="Arimo Bold Italics" charset="1" panose="020B0704020202090204"/>
+      <p:font typeface="Arimo" panose="020B0604020202020204" charset="0"/>
       <p:regular r:id="rId9"/>
     </p:embeddedFont>
     <p:embeddedFont>
-      <p:font typeface="Open Sans" charset="1" panose="020B0606030504020204"/>
+      <p:font typeface="Calibri" panose="020F0502020204030204" pitchFamily="34" charset="0"/>
       <p:regular r:id="rId10"/>
+      <p:bold r:id="rId11"/>
+      <p:italic r:id="rId12"/>
+      <p:boldItalic r:id="rId13"/>
     </p:embeddedFont>
     <p:embeddedFont>
-      <p:font typeface="Open Sans Bold" charset="1" panose="020B0806030504020204"/>
-      <p:regular r:id="rId11"/>
+      <p:font typeface="Myriad Pro Cond" panose="020B0506030403020204" pitchFamily="34" charset="0"/>
+      <p:regular r:id="rId14"/>
+      <p:bold r:id="rId15"/>
+      <p:italic r:id="rId16"/>
+      <p:boldItalic r:id="rId17"/>
     </p:embeddedFont>
     <p:embeddedFont>
-      <p:font typeface="Open Sans Italics" charset="1" panose="020B0606030504020204"/>
-      <p:regular r:id="rId12"/>
-    </p:embeddedFont>
-    <p:embeddedFont>
-      <p:font typeface="Open Sans Bold Italics" charset="1" panose="020B0806030504020204"/>
-      <p:regular r:id="rId13"/>
-    </p:embeddedFont>
-    <p:embeddedFont>
-      <p:font typeface="Vesper Libre Regular" charset="1" panose="00000500000000000000"/>
-      <p:regular r:id="rId14"/>
-    </p:embeddedFont>
-    <p:embeddedFont>
-      <p:font typeface="Vesper Libre Regular Bold" charset="1" panose="00000600000000000000"/>
-      <p:regular r:id="rId15"/>
-    </p:embeddedFont>
-    <p:embeddedFont>
-      <p:font typeface="Roboto Mono Regular" charset="1" panose="00000000000000000000"/>
-      <p:regular r:id="rId16"/>
-    </p:embeddedFont>
-    <p:embeddedFont>
-      <p:font typeface="Roboto Mono Regular Bold" charset="1" panose="00000000000000000000"/>
-      <p:regular r:id="rId17"/>
-    </p:embeddedFont>
-    <p:embeddedFont>
-      <p:font typeface="Roboto Mono Regular Italics" charset="1" panose="00000000000000000000"/>
+      <p:font typeface="Open Sans" panose="020B0606030504020204" pitchFamily="34" charset="0"/>
       <p:regular r:id="rId18"/>
     </p:embeddedFont>
     <p:embeddedFont>
-      <p:font typeface="Roboto Mono Regular Bold Italics" charset="1" panose="00000000000000000000"/>
+      <p:font typeface="Vesper Libre Regular" panose="020B0604020202020204" charset="0"/>
       <p:regular r:id="rId19"/>
+    </p:embeddedFont>
+    <p:embeddedFont>
+      <p:font typeface="Vesper Libre Regular Bold" panose="020B0604020202020204" charset="0"/>
+      <p:regular r:id="rId20"/>
     </p:embeddedFont>
   </p:embeddedFontLst>
   <p:defaultTextStyle>
@@ -167,6 +145,22 @@
       </a:defRPr>
     </a:lvl9pPr>
   </p:defaultTextStyle>
+  <p:extLst>
+    <p:ext uri="{EFAFB233-063F-42B5-8137-9DF3F51BA10A}">
+      <p15:sldGuideLst xmlns:p15="http://schemas.microsoft.com/office/powerpoint/2012/main">
+        <p15:guide id="1" orient="horz" pos="2160">
+          <p15:clr>
+            <a:srgbClr val="A4A3A4"/>
+          </p15:clr>
+        </p15:guide>
+        <p15:guide id="2" pos="2880">
+          <p15:clr>
+            <a:srgbClr val="A4A3A4"/>
+          </p15:clr>
+        </p15:guide>
+      </p15:sldGuideLst>
+    </p:ext>
+  </p:extLst>
 </p:presentation>
 </file>
 
@@ -208,10 +202,9 @@
           <a:lstStyle/>
           <a:p>
             <a:r>
-              <a:rPr lang="en-US" smtClean="0"/>
+              <a:rPr lang="en-US"/>
               <a:t>Click to edit Master title style</a:t>
             </a:r>
-            <a:endParaRPr lang="en-US"/>
           </a:p>
         </p:txBody>
       </p:sp>
@@ -327,10 +320,9 @@
           </a:lstStyle>
           <a:p>
             <a:r>
-              <a:rPr lang="en-US" smtClean="0"/>
+              <a:rPr lang="en-US"/>
               <a:t>Click to edit Master subtitle style</a:t>
             </a:r>
-            <a:endParaRPr lang="en-US"/>
           </a:p>
         </p:txBody>
       </p:sp>
@@ -352,7 +344,7 @@
             <a:fld id="{1D8BD707-D9CF-40AE-B4C6-C98DA3205C09}" type="datetimeFigureOut">
               <a:rPr lang="en-US" smtClean="0"/>
               <a:pPr/>
-              <a:t>8/1/2011</a:t>
+              <a:t>9/26/2020</a:t>
             </a:fld>
             <a:endParaRPr lang="en-US"/>
           </a:p>
@@ -442,10 +434,9 @@
           <a:lstStyle/>
           <a:p>
             <a:r>
-              <a:rPr lang="en-US" smtClean="0"/>
+              <a:rPr lang="en-US"/>
               <a:t>Click to edit Master title style</a:t>
             </a:r>
-            <a:endParaRPr lang="en-US"/>
           </a:p>
         </p:txBody>
       </p:sp>
@@ -466,38 +457,37 @@
           <a:p>
             <a:pPr lvl="0"/>
             <a:r>
-              <a:rPr lang="en-US" smtClean="0"/>
+              <a:rPr lang="en-US"/>
               <a:t>Click to edit Master text styles</a:t>
             </a:r>
           </a:p>
           <a:p>
             <a:pPr lvl="1"/>
             <a:r>
-              <a:rPr lang="en-US" smtClean="0"/>
+              <a:rPr lang="en-US"/>
               <a:t>Second level</a:t>
             </a:r>
           </a:p>
           <a:p>
             <a:pPr lvl="2"/>
             <a:r>
-              <a:rPr lang="en-US" smtClean="0"/>
+              <a:rPr lang="en-US"/>
               <a:t>Third level</a:t>
             </a:r>
           </a:p>
           <a:p>
             <a:pPr lvl="3"/>
             <a:r>
-              <a:rPr lang="en-US" smtClean="0"/>
+              <a:rPr lang="en-US"/>
               <a:t>Fourth level</a:t>
             </a:r>
           </a:p>
           <a:p>
             <a:pPr lvl="4"/>
             <a:r>
-              <a:rPr lang="en-US" smtClean="0"/>
+              <a:rPr lang="en-US"/>
               <a:t>Fifth level</a:t>
             </a:r>
-            <a:endParaRPr lang="en-US"/>
           </a:p>
         </p:txBody>
       </p:sp>
@@ -519,7 +509,7 @@
             <a:fld id="{1D8BD707-D9CF-40AE-B4C6-C98DA3205C09}" type="datetimeFigureOut">
               <a:rPr lang="en-US" smtClean="0"/>
               <a:pPr/>
-              <a:t>8/1/2011</a:t>
+              <a:t>9/26/2020</a:t>
             </a:fld>
             <a:endParaRPr lang="en-US"/>
           </a:p>
@@ -614,10 +604,9 @@
           <a:lstStyle/>
           <a:p>
             <a:r>
-              <a:rPr lang="en-US" smtClean="0"/>
+              <a:rPr lang="en-US"/>
               <a:t>Click to edit Master title style</a:t>
             </a:r>
-            <a:endParaRPr lang="en-US"/>
           </a:p>
         </p:txBody>
       </p:sp>
@@ -643,38 +632,37 @@
           <a:p>
             <a:pPr lvl="0"/>
             <a:r>
-              <a:rPr lang="en-US" smtClean="0"/>
+              <a:rPr lang="en-US"/>
               <a:t>Click to edit Master text styles</a:t>
             </a:r>
           </a:p>
           <a:p>
             <a:pPr lvl="1"/>
             <a:r>
-              <a:rPr lang="en-US" smtClean="0"/>
+              <a:rPr lang="en-US"/>
               <a:t>Second level</a:t>
             </a:r>
           </a:p>
           <a:p>
             <a:pPr lvl="2"/>
             <a:r>
-              <a:rPr lang="en-US" smtClean="0"/>
+              <a:rPr lang="en-US"/>
               <a:t>Third level</a:t>
             </a:r>
           </a:p>
           <a:p>
             <a:pPr lvl="3"/>
             <a:r>
-              <a:rPr lang="en-US" smtClean="0"/>
+              <a:rPr lang="en-US"/>
               <a:t>Fourth level</a:t>
             </a:r>
           </a:p>
           <a:p>
             <a:pPr lvl="4"/>
             <a:r>
-              <a:rPr lang="en-US" smtClean="0"/>
+              <a:rPr lang="en-US"/>
               <a:t>Fifth level</a:t>
             </a:r>
-            <a:endParaRPr lang="en-US"/>
           </a:p>
         </p:txBody>
       </p:sp>
@@ -696,7 +684,7 @@
             <a:fld id="{1D8BD707-D9CF-40AE-B4C6-C98DA3205C09}" type="datetimeFigureOut">
               <a:rPr lang="en-US" smtClean="0"/>
               <a:pPr/>
-              <a:t>8/1/2011</a:t>
+              <a:t>9/26/2020</a:t>
             </a:fld>
             <a:endParaRPr lang="en-US"/>
           </a:p>
@@ -786,10 +774,9 @@
           <a:lstStyle/>
           <a:p>
             <a:r>
-              <a:rPr lang="en-US" smtClean="0"/>
+              <a:rPr lang="en-US"/>
               <a:t>Click to edit Master title style</a:t>
             </a:r>
-            <a:endParaRPr lang="en-US"/>
           </a:p>
         </p:txBody>
       </p:sp>
@@ -810,38 +797,37 @@
           <a:p>
             <a:pPr lvl="0"/>
             <a:r>
-              <a:rPr lang="en-US" smtClean="0"/>
+              <a:rPr lang="en-US"/>
               <a:t>Click to edit Master text styles</a:t>
             </a:r>
           </a:p>
           <a:p>
             <a:pPr lvl="1"/>
             <a:r>
-              <a:rPr lang="en-US" smtClean="0"/>
+              <a:rPr lang="en-US"/>
               <a:t>Second level</a:t>
             </a:r>
           </a:p>
           <a:p>
             <a:pPr lvl="2"/>
             <a:r>
-              <a:rPr lang="en-US" smtClean="0"/>
+              <a:rPr lang="en-US"/>
               <a:t>Third level</a:t>
             </a:r>
           </a:p>
           <a:p>
             <a:pPr lvl="3"/>
             <a:r>
-              <a:rPr lang="en-US" smtClean="0"/>
+              <a:rPr lang="en-US"/>
               <a:t>Fourth level</a:t>
             </a:r>
           </a:p>
           <a:p>
             <a:pPr lvl="4"/>
             <a:r>
-              <a:rPr lang="en-US" smtClean="0"/>
+              <a:rPr lang="en-US"/>
               <a:t>Fifth level</a:t>
             </a:r>
-            <a:endParaRPr lang="en-US"/>
           </a:p>
         </p:txBody>
       </p:sp>
@@ -863,7 +849,7 @@
             <a:fld id="{1D8BD707-D9CF-40AE-B4C6-C98DA3205C09}" type="datetimeFigureOut">
               <a:rPr lang="en-US" smtClean="0"/>
               <a:pPr/>
-              <a:t>8/1/2011</a:t>
+              <a:t>9/26/2020</a:t>
             </a:fld>
             <a:endParaRPr lang="en-US"/>
           </a:p>
@@ -962,10 +948,9 @@
           </a:lstStyle>
           <a:p>
             <a:r>
-              <a:rPr lang="en-US" smtClean="0"/>
+              <a:rPr lang="en-US"/>
               <a:t>Click to edit Master title style</a:t>
             </a:r>
-            <a:endParaRPr lang="en-US"/>
           </a:p>
         </p:txBody>
       </p:sp>
@@ -1082,7 +1067,7 @@
           <a:p>
             <a:pPr lvl="0"/>
             <a:r>
-              <a:rPr lang="en-US" smtClean="0"/>
+              <a:rPr lang="en-US"/>
               <a:t>Click to edit Master text styles</a:t>
             </a:r>
           </a:p>
@@ -1106,7 +1091,7 @@
             <a:fld id="{1D8BD707-D9CF-40AE-B4C6-C98DA3205C09}" type="datetimeFigureOut">
               <a:rPr lang="en-US" smtClean="0"/>
               <a:pPr/>
-              <a:t>8/1/2011</a:t>
+              <a:t>9/26/2020</a:t>
             </a:fld>
             <a:endParaRPr lang="en-US"/>
           </a:p>
@@ -1196,10 +1181,9 @@
           <a:lstStyle/>
           <a:p>
             <a:r>
-              <a:rPr lang="en-US" smtClean="0"/>
+              <a:rPr lang="en-US"/>
               <a:t>Click to edit Master title style</a:t>
             </a:r>
-            <a:endParaRPr lang="en-US"/>
           </a:p>
         </p:txBody>
       </p:sp>
@@ -1253,38 +1237,37 @@
           <a:p>
             <a:pPr lvl="0"/>
             <a:r>
-              <a:rPr lang="en-US" smtClean="0"/>
+              <a:rPr lang="en-US"/>
               <a:t>Click to edit Master text styles</a:t>
             </a:r>
           </a:p>
           <a:p>
             <a:pPr lvl="1"/>
             <a:r>
-              <a:rPr lang="en-US" smtClean="0"/>
+              <a:rPr lang="en-US"/>
               <a:t>Second level</a:t>
             </a:r>
           </a:p>
           <a:p>
             <a:pPr lvl="2"/>
             <a:r>
-              <a:rPr lang="en-US" smtClean="0"/>
+              <a:rPr lang="en-US"/>
               <a:t>Third level</a:t>
             </a:r>
           </a:p>
           <a:p>
             <a:pPr lvl="3"/>
             <a:r>
-              <a:rPr lang="en-US" smtClean="0"/>
+              <a:rPr lang="en-US"/>
               <a:t>Fourth level</a:t>
             </a:r>
           </a:p>
           <a:p>
             <a:pPr lvl="4"/>
             <a:r>
-              <a:rPr lang="en-US" smtClean="0"/>
+              <a:rPr lang="en-US"/>
               <a:t>Fifth level</a:t>
             </a:r>
-            <a:endParaRPr lang="en-US"/>
           </a:p>
         </p:txBody>
       </p:sp>
@@ -1338,38 +1321,37 @@
           <a:p>
             <a:pPr lvl="0"/>
             <a:r>
-              <a:rPr lang="en-US" smtClean="0"/>
+              <a:rPr lang="en-US"/>
               <a:t>Click to edit Master text styles</a:t>
             </a:r>
           </a:p>
           <a:p>
             <a:pPr lvl="1"/>
             <a:r>
-              <a:rPr lang="en-US" smtClean="0"/>
+              <a:rPr lang="en-US"/>
               <a:t>Second level</a:t>
             </a:r>
           </a:p>
           <a:p>
             <a:pPr lvl="2"/>
             <a:r>
-              <a:rPr lang="en-US" smtClean="0"/>
+              <a:rPr lang="en-US"/>
               <a:t>Third level</a:t>
             </a:r>
           </a:p>
           <a:p>
             <a:pPr lvl="3"/>
             <a:r>
-              <a:rPr lang="en-US" smtClean="0"/>
+              <a:rPr lang="en-US"/>
               <a:t>Fourth level</a:t>
             </a:r>
           </a:p>
           <a:p>
             <a:pPr lvl="4"/>
             <a:r>
-              <a:rPr lang="en-US" smtClean="0"/>
+              <a:rPr lang="en-US"/>
               <a:t>Fifth level</a:t>
             </a:r>
-            <a:endParaRPr lang="en-US"/>
           </a:p>
         </p:txBody>
       </p:sp>
@@ -1391,7 +1373,7 @@
             <a:fld id="{1D8BD707-D9CF-40AE-B4C6-C98DA3205C09}" type="datetimeFigureOut">
               <a:rPr lang="en-US" smtClean="0"/>
               <a:pPr/>
-              <a:t>8/1/2011</a:t>
+              <a:t>9/26/2020</a:t>
             </a:fld>
             <a:endParaRPr lang="en-US"/>
           </a:p>
@@ -1485,10 +1467,9 @@
           </a:lstStyle>
           <a:p>
             <a:r>
-              <a:rPr lang="en-US" smtClean="0"/>
+              <a:rPr lang="en-US"/>
               <a:t>Click to edit Master title style</a:t>
             </a:r>
-            <a:endParaRPr lang="en-US"/>
           </a:p>
         </p:txBody>
       </p:sp>
@@ -1551,7 +1532,7 @@
           <a:p>
             <a:pPr lvl="0"/>
             <a:r>
-              <a:rPr lang="en-US" smtClean="0"/>
+              <a:rPr lang="en-US"/>
               <a:t>Click to edit Master text styles</a:t>
             </a:r>
           </a:p>
@@ -1607,38 +1588,37 @@
           <a:p>
             <a:pPr lvl="0"/>
             <a:r>
-              <a:rPr lang="en-US" smtClean="0"/>
+              <a:rPr lang="en-US"/>
               <a:t>Click to edit Master text styles</a:t>
             </a:r>
           </a:p>
           <a:p>
             <a:pPr lvl="1"/>
             <a:r>
-              <a:rPr lang="en-US" smtClean="0"/>
+              <a:rPr lang="en-US"/>
               <a:t>Second level</a:t>
             </a:r>
           </a:p>
           <a:p>
             <a:pPr lvl="2"/>
             <a:r>
-              <a:rPr lang="en-US" smtClean="0"/>
+              <a:rPr lang="en-US"/>
               <a:t>Third level</a:t>
             </a:r>
           </a:p>
           <a:p>
             <a:pPr lvl="3"/>
             <a:r>
-              <a:rPr lang="en-US" smtClean="0"/>
+              <a:rPr lang="en-US"/>
               <a:t>Fourth level</a:t>
             </a:r>
           </a:p>
           <a:p>
             <a:pPr lvl="4"/>
             <a:r>
-              <a:rPr lang="en-US" smtClean="0"/>
+              <a:rPr lang="en-US"/>
               <a:t>Fifth level</a:t>
             </a:r>
-            <a:endParaRPr lang="en-US"/>
           </a:p>
         </p:txBody>
       </p:sp>
@@ -1701,7 +1681,7 @@
           <a:p>
             <a:pPr lvl="0"/>
             <a:r>
-              <a:rPr lang="en-US" smtClean="0"/>
+              <a:rPr lang="en-US"/>
               <a:t>Click to edit Master text styles</a:t>
             </a:r>
           </a:p>
@@ -1757,38 +1737,37 @@
           <a:p>
             <a:pPr lvl="0"/>
             <a:r>
-              <a:rPr lang="en-US" smtClean="0"/>
+              <a:rPr lang="en-US"/>
               <a:t>Click to edit Master text styles</a:t>
             </a:r>
           </a:p>
           <a:p>
             <a:pPr lvl="1"/>
             <a:r>
-              <a:rPr lang="en-US" smtClean="0"/>
+              <a:rPr lang="en-US"/>
               <a:t>Second level</a:t>
             </a:r>
           </a:p>
           <a:p>
             <a:pPr lvl="2"/>
             <a:r>
-              <a:rPr lang="en-US" smtClean="0"/>
+              <a:rPr lang="en-US"/>
               <a:t>Third level</a:t>
             </a:r>
           </a:p>
           <a:p>
             <a:pPr lvl="3"/>
             <a:r>
-              <a:rPr lang="en-US" smtClean="0"/>
+              <a:rPr lang="en-US"/>
               <a:t>Fourth level</a:t>
             </a:r>
           </a:p>
           <a:p>
             <a:pPr lvl="4"/>
             <a:r>
-              <a:rPr lang="en-US" smtClean="0"/>
+              <a:rPr lang="en-US"/>
               <a:t>Fifth level</a:t>
             </a:r>
-            <a:endParaRPr lang="en-US"/>
           </a:p>
         </p:txBody>
       </p:sp>
@@ -1810,7 +1789,7 @@
             <a:fld id="{1D8BD707-D9CF-40AE-B4C6-C98DA3205C09}" type="datetimeFigureOut">
               <a:rPr lang="en-US" smtClean="0"/>
               <a:pPr/>
-              <a:t>8/1/2011</a:t>
+              <a:t>9/26/2020</a:t>
             </a:fld>
             <a:endParaRPr lang="en-US"/>
           </a:p>
@@ -1900,10 +1879,9 @@
           <a:lstStyle/>
           <a:p>
             <a:r>
-              <a:rPr lang="en-US" smtClean="0"/>
+              <a:rPr lang="en-US"/>
               <a:t>Click to edit Master title style</a:t>
             </a:r>
-            <a:endParaRPr lang="en-US"/>
           </a:p>
         </p:txBody>
       </p:sp>
@@ -1925,7 +1903,7 @@
             <a:fld id="{1D8BD707-D9CF-40AE-B4C6-C98DA3205C09}" type="datetimeFigureOut">
               <a:rPr lang="en-US" smtClean="0"/>
               <a:pPr/>
-              <a:t>8/1/2011</a:t>
+              <a:t>9/26/2020</a:t>
             </a:fld>
             <a:endParaRPr lang="en-US"/>
           </a:p>
@@ -2017,7 +1995,7 @@
             <a:fld id="{1D8BD707-D9CF-40AE-B4C6-C98DA3205C09}" type="datetimeFigureOut">
               <a:rPr lang="en-US" smtClean="0"/>
               <a:pPr/>
-              <a:t>8/1/2011</a:t>
+              <a:t>9/26/2020</a:t>
             </a:fld>
             <a:endParaRPr lang="en-US"/>
           </a:p>
@@ -2116,10 +2094,9 @@
           </a:lstStyle>
           <a:p>
             <a:r>
-              <a:rPr lang="en-US" smtClean="0"/>
+              <a:rPr lang="en-US"/>
               <a:t>Click to edit Master title style</a:t>
             </a:r>
-            <a:endParaRPr lang="en-US"/>
           </a:p>
         </p:txBody>
       </p:sp>
@@ -2173,38 +2150,37 @@
           <a:p>
             <a:pPr lvl="0"/>
             <a:r>
-              <a:rPr lang="en-US" smtClean="0"/>
+              <a:rPr lang="en-US"/>
               <a:t>Click to edit Master text styles</a:t>
             </a:r>
           </a:p>
           <a:p>
             <a:pPr lvl="1"/>
             <a:r>
-              <a:rPr lang="en-US" smtClean="0"/>
+              <a:rPr lang="en-US"/>
               <a:t>Second level</a:t>
             </a:r>
           </a:p>
           <a:p>
             <a:pPr lvl="2"/>
             <a:r>
-              <a:rPr lang="en-US" smtClean="0"/>
+              <a:rPr lang="en-US"/>
               <a:t>Third level</a:t>
             </a:r>
           </a:p>
           <a:p>
             <a:pPr lvl="3"/>
             <a:r>
-              <a:rPr lang="en-US" smtClean="0"/>
+              <a:rPr lang="en-US"/>
               <a:t>Fourth level</a:t>
             </a:r>
           </a:p>
           <a:p>
             <a:pPr lvl="4"/>
             <a:r>
-              <a:rPr lang="en-US" smtClean="0"/>
+              <a:rPr lang="en-US"/>
               <a:t>Fifth level</a:t>
             </a:r>
-            <a:endParaRPr lang="en-US"/>
           </a:p>
         </p:txBody>
       </p:sp>
@@ -2267,7 +2243,7 @@
           <a:p>
             <a:pPr lvl="0"/>
             <a:r>
-              <a:rPr lang="en-US" smtClean="0"/>
+              <a:rPr lang="en-US"/>
               <a:t>Click to edit Master text styles</a:t>
             </a:r>
           </a:p>
@@ -2291,7 +2267,7 @@
             <a:fld id="{1D8BD707-D9CF-40AE-B4C6-C98DA3205C09}" type="datetimeFigureOut">
               <a:rPr lang="en-US" smtClean="0"/>
               <a:pPr/>
-              <a:t>8/1/2011</a:t>
+              <a:t>9/26/2020</a:t>
             </a:fld>
             <a:endParaRPr lang="en-US"/>
           </a:p>
@@ -2390,10 +2366,9 @@
           </a:lstStyle>
           <a:p>
             <a:r>
-              <a:rPr lang="en-US" smtClean="0"/>
+              <a:rPr lang="en-US"/>
               <a:t>Click to edit Master title style</a:t>
             </a:r>
-            <a:endParaRPr lang="en-US"/>
           </a:p>
         </p:txBody>
       </p:sp>
@@ -2517,7 +2492,7 @@
           <a:p>
             <a:pPr lvl="0"/>
             <a:r>
-              <a:rPr lang="en-US" smtClean="0"/>
+              <a:rPr lang="en-US"/>
               <a:t>Click to edit Master text styles</a:t>
             </a:r>
           </a:p>
@@ -2541,7 +2516,7 @@
             <a:fld id="{1D8BD707-D9CF-40AE-B4C6-C98DA3205C09}" type="datetimeFigureOut">
               <a:rPr lang="en-US" smtClean="0"/>
               <a:pPr/>
-              <a:t>8/1/2011</a:t>
+              <a:t>9/26/2020</a:t>
             </a:fld>
             <a:endParaRPr lang="en-US"/>
           </a:p>
@@ -2646,10 +2621,9 @@
           <a:lstStyle/>
           <a:p>
             <a:r>
-              <a:rPr lang="en-US" smtClean="0"/>
+              <a:rPr lang="en-US"/>
               <a:t>Click to edit Master title style</a:t>
             </a:r>
-            <a:endParaRPr lang="en-US"/>
           </a:p>
         </p:txBody>
       </p:sp>
@@ -2680,38 +2654,37 @@
           <a:p>
             <a:pPr lvl="0"/>
             <a:r>
-              <a:rPr lang="en-US" smtClean="0"/>
+              <a:rPr lang="en-US"/>
               <a:t>Click to edit Master text styles</a:t>
             </a:r>
           </a:p>
           <a:p>
             <a:pPr lvl="1"/>
             <a:r>
-              <a:rPr lang="en-US" smtClean="0"/>
+              <a:rPr lang="en-US"/>
               <a:t>Second level</a:t>
             </a:r>
           </a:p>
           <a:p>
             <a:pPr lvl="2"/>
             <a:r>
-              <a:rPr lang="en-US" smtClean="0"/>
+              <a:rPr lang="en-US"/>
               <a:t>Third level</a:t>
             </a:r>
           </a:p>
           <a:p>
             <a:pPr lvl="3"/>
             <a:r>
-              <a:rPr lang="en-US" smtClean="0"/>
+              <a:rPr lang="en-US"/>
               <a:t>Fourth level</a:t>
             </a:r>
           </a:p>
           <a:p>
             <a:pPr lvl="4"/>
             <a:r>
-              <a:rPr lang="en-US" smtClean="0"/>
+              <a:rPr lang="en-US"/>
               <a:t>Fifth level</a:t>
             </a:r>
-            <a:endParaRPr lang="en-US"/>
           </a:p>
         </p:txBody>
       </p:sp>
@@ -2751,7 +2724,7 @@
             <a:fld id="{1D8BD707-D9CF-40AE-B4C6-C98DA3205C09}" type="datetimeFigureOut">
               <a:rPr lang="en-US" smtClean="0"/>
               <a:pPr/>
-              <a:t>8/1/2011</a:t>
+              <a:t>9/26/2020</a:t>
             </a:fld>
             <a:endParaRPr lang="en-US"/>
           </a:p>
@@ -3106,13 +3079,14 @@
 </file>
 
 <file path=ppt/slides/slide1.xml><?xml version="1.0" encoding="utf-8"?>
-<p:sld xmlns:p="http://schemas.openxmlformats.org/presentationml/2006/main" xmlns:a="http://schemas.openxmlformats.org/drawingml/2006/main" xmlns:r="http://schemas.openxmlformats.org/officeDocument/2006/relationships">
+<p:sld xmlns:a="http://schemas.openxmlformats.org/drawingml/2006/main" xmlns:r="http://schemas.openxmlformats.org/officeDocument/2006/relationships" xmlns:p="http://schemas.openxmlformats.org/presentationml/2006/main">
   <p:cSld>
     <p:bg>
       <p:bgPr>
         <a:solidFill>
           <a:srgbClr val="250542"/>
         </a:solidFill>
+        <a:effectLst/>
       </p:bgPr>
     </p:bg>
     <p:spTree>
@@ -3131,21 +3105,21 @@
       </p:grpSpPr>
       <p:pic>
         <p:nvPicPr>
-          <p:cNvPr name="Picture 2" id="2"/>
+          <p:cNvPr id="2" name="Picture 2"/>
           <p:cNvPicPr>
-            <a:picLocks noChangeAspect="true"/>
+            <a:picLocks noChangeAspect="1"/>
           </p:cNvPicPr>
           <p:nvPr/>
         </p:nvPicPr>
         <p:blipFill>
           <a:blip r:embed="rId2"/>
-          <a:srcRect l="0" t="0" r="0" b="0"/>
+          <a:srcRect/>
           <a:stretch>
             <a:fillRect/>
           </a:stretch>
         </p:blipFill>
         <p:spPr>
-          <a:xfrm flipH="false" flipV="false" rot="0">
+          <a:xfrm>
             <a:off x="8145716" y="840041"/>
             <a:ext cx="8625968" cy="8625968"/>
           </a:xfrm>
@@ -3156,26 +3130,26 @@
       </p:pic>
       <p:grpSp>
         <p:nvGrpSpPr>
-          <p:cNvPr name="Group 3" id="3"/>
+          <p:cNvPr id="3" name="Group 3"/>
           <p:cNvGrpSpPr/>
           <p:nvPr/>
         </p:nvGrpSpPr>
         <p:grpSpPr>
-          <a:xfrm rot="0">
-            <a:off x="487283" y="3829552"/>
-            <a:ext cx="11066551" cy="2627896"/>
-            <a:chOff x="0" y="0"/>
-            <a:chExt cx="14755401" cy="3503861"/>
+          <a:xfrm>
+            <a:off x="487282" y="3915277"/>
+            <a:ext cx="11066552" cy="2586976"/>
+            <a:chOff x="-1" y="114300"/>
+            <a:chExt cx="14755402" cy="3449300"/>
           </a:xfrm>
         </p:grpSpPr>
         <p:sp>
           <p:nvSpPr>
-            <p:cNvPr name="TextBox 4" id="4"/>
-            <p:cNvSpPr txBox="true"/>
+            <p:cNvPr id="4" name="TextBox 4"/>
+            <p:cNvSpPr txBox="1"/>
             <p:nvPr/>
           </p:nvSpPr>
           <p:spPr>
-            <a:xfrm rot="0">
+            <a:xfrm>
               <a:off x="0" y="114300"/>
               <a:ext cx="14755401" cy="2913380"/>
             </a:xfrm>
@@ -3184,7 +3158,7 @@
             </a:prstGeom>
           </p:spPr>
           <p:txBody>
-            <a:bodyPr anchor="t" rtlCol="false" tIns="0" lIns="0" bIns="0" rIns="0">
+            <a:bodyPr lIns="0" tIns="0" rIns="0" bIns="0" rtlCol="0" anchor="t">
               <a:spAutoFit/>
             </a:bodyPr>
             <a:lstStyle/>
@@ -3205,7 +3179,7 @@
               </a:r>
             </a:p>
             <a:p>
-              <a:pPr marL="0" indent="0" lvl="0">
+              <a:pPr marL="0" lvl="0" indent="0">
                 <a:lnSpc>
                   <a:spcPts val="8400"/>
                 </a:lnSpc>
@@ -3224,26 +3198,26 @@
         </p:sp>
         <p:sp>
           <p:nvSpPr>
-            <p:cNvPr name="TextBox 5" id="5"/>
-            <p:cNvSpPr txBox="true"/>
+            <p:cNvPr id="5" name="TextBox 5"/>
+            <p:cNvSpPr txBox="1"/>
             <p:nvPr/>
           </p:nvSpPr>
           <p:spPr>
-            <a:xfrm rot="0">
-              <a:off x="0" y="3040380"/>
-              <a:ext cx="10116323" cy="463481"/>
+            <a:xfrm>
+              <a:off x="-1" y="3040380"/>
+              <a:ext cx="13269489" cy="523220"/>
             </a:xfrm>
             <a:prstGeom prst="rect">
               <a:avLst/>
             </a:prstGeom>
           </p:spPr>
           <p:txBody>
-            <a:bodyPr anchor="t" rtlCol="false" tIns="0" lIns="0" bIns="0" rIns="0">
+            <a:bodyPr wrap="square" lIns="0" tIns="0" rIns="0" bIns="0" rtlCol="0" anchor="t">
               <a:spAutoFit/>
             </a:bodyPr>
             <a:lstStyle/>
             <a:p>
-              <a:pPr marL="0" indent="0" lvl="0">
+              <a:pPr marL="0" lvl="0" indent="0">
                 <a:lnSpc>
                   <a:spcPts val="2940"/>
                 </a:lnSpc>
@@ -3252,13 +3226,13 @@
                 </a:spcBef>
               </a:pPr>
               <a:r>
-                <a:rPr lang="en-US" sz="2100" spc="-21">
+                <a:rPr lang="en-US" sz="3200" b="1" spc="-21" dirty="0">
                   <a:solidFill>
                     <a:srgbClr val="FFFFFF"/>
                   </a:solidFill>
-                  <a:latin typeface="Roboto Mono Regular"/>
+                  <a:latin typeface="Arial Black" panose="020B0A04020102020204" pitchFamily="34" charset="0"/>
                 </a:rPr>
-                <a:t>ODE to CODE</a:t>
+                <a:t>ODE To CODE</a:t>
               </a:r>
             </a:p>
           </p:txBody>
@@ -3273,13 +3247,14 @@
 </file>
 
 <file path=ppt/slides/slide2.xml><?xml version="1.0" encoding="utf-8"?>
-<p:sld xmlns:p="http://schemas.openxmlformats.org/presentationml/2006/main" xmlns:a="http://schemas.openxmlformats.org/drawingml/2006/main" xmlns:r="http://schemas.openxmlformats.org/officeDocument/2006/relationships">
+<p:sld xmlns:a="http://schemas.openxmlformats.org/drawingml/2006/main" xmlns:r="http://schemas.openxmlformats.org/officeDocument/2006/relationships" xmlns:p="http://schemas.openxmlformats.org/presentationml/2006/main">
   <p:cSld>
     <p:bg>
       <p:bgPr>
         <a:solidFill>
           <a:srgbClr val="000000"/>
         </a:solidFill>
+        <a:effectLst/>
       </p:bgPr>
     </p:bg>
     <p:spTree>
@@ -3298,12 +3273,12 @@
       </p:grpSpPr>
       <p:sp>
         <p:nvSpPr>
-          <p:cNvPr name="TextBox 2" id="2"/>
-          <p:cNvSpPr txBox="true"/>
+          <p:cNvPr id="2" name="TextBox 2"/>
+          <p:cNvSpPr txBox="1"/>
           <p:nvPr/>
         </p:nvSpPr>
         <p:spPr>
-          <a:xfrm rot="0">
+          <a:xfrm>
             <a:off x="6047385" y="794645"/>
             <a:ext cx="11211915" cy="1596087"/>
           </a:xfrm>
@@ -3312,12 +3287,12 @@
           </a:prstGeom>
         </p:spPr>
         <p:txBody>
-          <a:bodyPr anchor="t" rtlCol="false" tIns="0" lIns="0" bIns="0" rIns="0">
+          <a:bodyPr lIns="0" tIns="0" rIns="0" bIns="0" rtlCol="0" anchor="t">
             <a:spAutoFit/>
           </a:bodyPr>
           <a:lstStyle/>
           <a:p>
-            <a:pPr algn="r" marL="0" indent="0" lvl="0">
+            <a:pPr marL="0" lvl="0" indent="0" algn="r">
               <a:lnSpc>
                 <a:spcPts val="12192"/>
               </a:lnSpc>
@@ -3339,21 +3314,21 @@
       </p:sp>
       <p:pic>
         <p:nvPicPr>
-          <p:cNvPr name="Picture 3" id="3"/>
+          <p:cNvPr id="3" name="Picture 3"/>
           <p:cNvPicPr>
-            <a:picLocks noChangeAspect="true"/>
+            <a:picLocks noChangeAspect="1"/>
           </p:cNvPicPr>
           <p:nvPr/>
         </p:nvPicPr>
         <p:blipFill>
           <a:blip r:embed="rId2"/>
-          <a:srcRect l="0" t="0" r="0" b="0"/>
+          <a:srcRect/>
           <a:stretch>
             <a:fillRect/>
           </a:stretch>
         </p:blipFill>
         <p:spPr>
-          <a:xfrm flipH="false" flipV="false" rot="0">
+          <a:xfrm>
             <a:off x="-2925342" y="7112093"/>
             <a:ext cx="7908084" cy="7908084"/>
           </a:xfrm>
@@ -3364,32 +3339,34 @@
       </p:pic>
       <p:sp>
         <p:nvSpPr>
-          <p:cNvPr name="TextBox 4" id="4"/>
-          <p:cNvSpPr txBox="true"/>
+          <p:cNvPr id="4" name="TextBox 4"/>
+          <p:cNvSpPr txBox="1"/>
           <p:nvPr/>
         </p:nvSpPr>
         <p:spPr>
-          <a:xfrm rot="0">
+          <a:xfrm>
             <a:off x="3801172" y="2999029"/>
-            <a:ext cx="13758955" cy="4137660"/>
+            <a:ext cx="13758955" cy="4184735"/>
           </a:xfrm>
           <a:prstGeom prst="rect">
             <a:avLst/>
           </a:prstGeom>
         </p:spPr>
         <p:txBody>
-          <a:bodyPr anchor="t" rtlCol="false" tIns="0" lIns="0" bIns="0" rIns="0">
+          <a:bodyPr lIns="0" tIns="0" rIns="0" bIns="0" rtlCol="0" anchor="t">
             <a:spAutoFit/>
           </a:bodyPr>
           <a:lstStyle/>
           <a:p>
-            <a:pPr>
+            <a:pPr marL="571500" indent="-571500">
               <a:lnSpc>
                 <a:spcPts val="5460"/>
               </a:lnSpc>
+              <a:buFont typeface="Wingdings" panose="05000000000000000000" pitchFamily="2" charset="2"/>
+              <a:buChar char="§"/>
             </a:pPr>
             <a:r>
-              <a:rPr lang="en-US" sz="3900">
+              <a:rPr lang="en-US" sz="3900" dirty="0">
                 <a:solidFill>
                   <a:srgbClr val="FFFFFF"/>
                 </a:solidFill>
@@ -3398,23 +3375,25 @@
               <a:t>Problem Statement : </a:t>
             </a:r>
             <a:r>
-              <a:rPr lang="en-US" sz="3900">
-                <a:solidFill>
-                  <a:srgbClr val="FFFFFF"/>
-                </a:solidFill>
-                <a:latin typeface="Open Sans Bold"/>
+              <a:rPr lang="en-US" sz="3900" dirty="0">
+                <a:solidFill>
+                  <a:schemeClr val="bg1"/>
+                </a:solidFill>
+                <a:latin typeface="Myriad Pro Cond" panose="020B0506030403020204" pitchFamily="34" charset="0"/>
               </a:rPr>
               <a:t>Stock Market Price Prediction for the next 10 days using machine learning</a:t>
             </a:r>
           </a:p>
           <a:p>
-            <a:pPr>
+            <a:pPr marL="571500" indent="-571500">
               <a:lnSpc>
                 <a:spcPts val="5460"/>
               </a:lnSpc>
+              <a:buFont typeface="Wingdings" panose="05000000000000000000" pitchFamily="2" charset="2"/>
+              <a:buChar char="§"/>
             </a:pPr>
             <a:r>
-              <a:rPr lang="en-US" sz="3900">
+              <a:rPr lang="en-US" sz="3900" dirty="0">
                 <a:solidFill>
                   <a:srgbClr val="FFFFFF"/>
                 </a:solidFill>
@@ -3423,7 +3402,7 @@
               <a:t>Problem</a:t>
             </a:r>
             <a:r>
-              <a:rPr lang="en-US" sz="3900">
+              <a:rPr lang="en-US" sz="3900" dirty="0">
                 <a:solidFill>
                   <a:srgbClr val="FFFFFF"/>
                 </a:solidFill>
@@ -3433,13 +3412,15 @@
             </a:r>
           </a:p>
           <a:p>
-            <a:pPr>
+            <a:pPr marL="571500" indent="-571500">
               <a:lnSpc>
                 <a:spcPts val="5460"/>
               </a:lnSpc>
+              <a:buFont typeface="Wingdings" panose="05000000000000000000" pitchFamily="2" charset="2"/>
+              <a:buChar char="§"/>
             </a:pPr>
             <a:r>
-              <a:rPr lang="en-US" sz="3900">
+              <a:rPr lang="en-US" sz="3900" dirty="0">
                 <a:solidFill>
                   <a:srgbClr val="FFFFFF"/>
                 </a:solidFill>
@@ -3449,13 +3430,15 @@
             </a:r>
           </a:p>
           <a:p>
-            <a:pPr>
+            <a:pPr marL="571500" indent="-571500">
               <a:lnSpc>
                 <a:spcPts val="5460"/>
               </a:lnSpc>
+              <a:buFont typeface="Wingdings" panose="05000000000000000000" pitchFamily="2" charset="2"/>
+              <a:buChar char="§"/>
             </a:pPr>
             <a:r>
-              <a:rPr lang="en-US" sz="3900">
+              <a:rPr lang="en-US" sz="3900" dirty="0">
                 <a:solidFill>
                   <a:srgbClr val="FFFFFF"/>
                 </a:solidFill>
@@ -3465,13 +3448,15 @@
             </a:r>
           </a:p>
           <a:p>
-            <a:pPr>
+            <a:pPr marL="571500" indent="-571500">
               <a:lnSpc>
                 <a:spcPts val="5460"/>
               </a:lnSpc>
+              <a:buFont typeface="Wingdings" panose="05000000000000000000" pitchFamily="2" charset="2"/>
+              <a:buChar char="§"/>
             </a:pPr>
             <a:r>
-              <a:rPr lang="en-US" sz="3900">
+              <a:rPr lang="en-US" sz="3900" dirty="0">
                 <a:solidFill>
                   <a:srgbClr val="FFFFFF"/>
                 </a:solidFill>
@@ -3491,7 +3476,7 @@
 </file>
 
 <file path=ppt/slides/slide3.xml><?xml version="1.0" encoding="utf-8"?>
-<p:sld xmlns:p="http://schemas.openxmlformats.org/presentationml/2006/main" xmlns:a="http://schemas.openxmlformats.org/drawingml/2006/main" xmlns:r="http://schemas.openxmlformats.org/officeDocument/2006/relationships">
+<p:sld xmlns:a="http://schemas.openxmlformats.org/drawingml/2006/main" xmlns:r="http://schemas.openxmlformats.org/officeDocument/2006/relationships" xmlns:p="http://schemas.openxmlformats.org/presentationml/2006/main">
   <p:cSld>
     <p:spTree>
       <p:nvGrpSpPr>
@@ -3509,82 +3494,140 @@
       </p:grpSpPr>
       <p:sp>
         <p:nvSpPr>
-          <p:cNvPr name="TextBox 2" id="2"/>
-          <p:cNvSpPr txBox="true"/>
+          <p:cNvPr id="2" name="TextBox 2"/>
+          <p:cNvSpPr txBox="1"/>
           <p:nvPr/>
         </p:nvSpPr>
         <p:spPr>
-          <a:xfrm rot="0">
-            <a:off x="1028700" y="2798248"/>
-            <a:ext cx="12016504" cy="2964180"/>
+          <a:xfrm>
+            <a:off x="1054100" y="2106481"/>
+            <a:ext cx="12001500" cy="7755969"/>
           </a:xfrm>
           <a:prstGeom prst="rect">
             <a:avLst/>
           </a:prstGeom>
         </p:spPr>
         <p:txBody>
-          <a:bodyPr anchor="t" rtlCol="false" tIns="0" lIns="0" bIns="0" rIns="0">
+          <a:bodyPr wrap="square" lIns="0" tIns="0" rIns="0" bIns="0" rtlCol="0" anchor="t">
             <a:spAutoFit/>
           </a:bodyPr>
           <a:lstStyle/>
           <a:p>
-            <a:pPr algn="just">
+            <a:pPr marL="342900" indent="-342900" algn="just">
               <a:lnSpc>
-                <a:spcPts val="3359"/>
+                <a:spcPct val="150000"/>
               </a:lnSpc>
               <a:spcBef>
                 <a:spcPct val="0"/>
               </a:spcBef>
+              <a:buFont typeface="Arial" panose="020B0604020202020204" pitchFamily="34" charset="0"/>
+              <a:buChar char="•"/>
             </a:pPr>
             <a:r>
-              <a:rPr lang="en-US" sz="2400" spc="-24">
+              <a:rPr lang="en-US" sz="2800" spc="-24" dirty="0">
                 <a:solidFill>
                   <a:srgbClr val="250542"/>
                 </a:solidFill>
                 <a:latin typeface="Vesper Libre Regular Bold"/>
               </a:rPr>
-              <a:t>Ou</a:t>
-            </a:r>
-            <a:r>
-              <a:rPr lang="en-US" sz="2400" spc="-24">
-                <a:solidFill>
-                  <a:srgbClr val="250542"/>
-                </a:solidFill>
-                <a:latin typeface="Vesper Libre Regular Bold"/>
-              </a:rPr>
-              <a:t>r Idea is to Predict the stock prices of any company listed in NSE or Foreign Stock Exchange through analysis of last 5 years of Data. And Using STACK LSTM (Deep Learning) to extract the Predictions of next 10 consecutive days. </a:t>
-            </a:r>
-          </a:p>
-          <a:p>
-            <a:pPr algn="just">
+              <a:t>Our Idea is to Predict the stock prices of any company listed in NSE or Foreign Stock Exchange through analysis of last 5 years of Data. </a:t>
+            </a:r>
+          </a:p>
+          <a:p>
+            <a:pPr marL="342900" indent="-342900" algn="just">
               <a:lnSpc>
-                <a:spcPts val="3359"/>
+                <a:spcPct val="150000"/>
               </a:lnSpc>
               <a:spcBef>
                 <a:spcPct val="0"/>
               </a:spcBef>
+              <a:buFont typeface="Arial" panose="020B0604020202020204" pitchFamily="34" charset="0"/>
+              <a:buChar char="•"/>
             </a:pPr>
             <a:r>
-              <a:rPr lang="en-US" sz="2400" spc="-24">
+              <a:rPr lang="en-US" sz="2800" spc="-24" dirty="0">
                 <a:solidFill>
                   <a:srgbClr val="250542"/>
                 </a:solidFill>
                 <a:latin typeface="Vesper Libre Regular Bold"/>
               </a:rPr>
-              <a:t>For a functional prototype we have developed WEB Site and App to incorporate other important features like trading, marketing and selling and buying to demonstrate the Financial Stock Marketing system. And finally we have compared the Accuracy of our model using Info Graphics data.</a:t>
-            </a:r>
-          </a:p>
-        </p:txBody>
-      </p:sp>
-      <p:sp>
-        <p:nvSpPr>
-          <p:cNvPr name="TextBox 3" id="3"/>
-          <p:cNvSpPr txBox="true"/>
+              <a:t>And Using STACK LSTM (Deep Learning) to extract the Predictions of next 10 consecutive days. </a:t>
+            </a:r>
+          </a:p>
+          <a:p>
+            <a:pPr marL="342900" indent="-342900" algn="just">
+              <a:lnSpc>
+                <a:spcPct val="150000"/>
+              </a:lnSpc>
+              <a:spcBef>
+                <a:spcPct val="0"/>
+              </a:spcBef>
+              <a:buFont typeface="Arial" panose="020B0604020202020204" pitchFamily="34" charset="0"/>
+              <a:buChar char="•"/>
+            </a:pPr>
+            <a:r>
+              <a:rPr lang="en-US" sz="2800" spc="-24" dirty="0">
+                <a:solidFill>
+                  <a:srgbClr val="250542"/>
+                </a:solidFill>
+                <a:latin typeface="Vesper Libre Regular Bold"/>
+              </a:rPr>
+              <a:t>For a functional prototype we have developed Webpage and App prototype to incorporate other important features like trading, marketing and selling and buying to demonstrate the Financial Stock Marketing system. </a:t>
+            </a:r>
+          </a:p>
+          <a:p>
+            <a:pPr marL="342900" indent="-342900" algn="just">
+              <a:lnSpc>
+                <a:spcPct val="150000"/>
+              </a:lnSpc>
+              <a:spcBef>
+                <a:spcPct val="0"/>
+              </a:spcBef>
+              <a:buFont typeface="Arial" panose="020B0604020202020204" pitchFamily="34" charset="0"/>
+              <a:buChar char="•"/>
+            </a:pPr>
+            <a:r>
+              <a:rPr lang="en-US" sz="2800" spc="-24" dirty="0">
+                <a:solidFill>
+                  <a:srgbClr val="250542"/>
+                </a:solidFill>
+                <a:latin typeface="Vesper Libre Regular Bold"/>
+              </a:rPr>
+              <a:t>And finally we have compared the Accuracy of our model using Info Graphics data.</a:t>
+            </a:r>
+          </a:p>
+          <a:p>
+            <a:pPr marL="342900" indent="-342900" algn="just">
+              <a:lnSpc>
+                <a:spcPct val="150000"/>
+              </a:lnSpc>
+              <a:spcBef>
+                <a:spcPct val="0"/>
+              </a:spcBef>
+              <a:buFont typeface="Arial" panose="020B0604020202020204" pitchFamily="34" charset="0"/>
+              <a:buChar char="•"/>
+            </a:pPr>
+            <a:r>
+              <a:rPr lang="en-US" sz="2800" spc="-24" dirty="0">
+                <a:solidFill>
+                  <a:srgbClr val="250542"/>
+                </a:solidFill>
+                <a:latin typeface="Vesper Libre Regular Bold"/>
+              </a:rPr>
+              <a:t>We feel this integration of our model in predicting future stock prices as a future scope of development.</a:t>
+            </a:r>
+          </a:p>
+        </p:txBody>
+      </p:sp>
+      <p:sp>
+        <p:nvSpPr>
+          <p:cNvPr id="3" name="TextBox 3"/>
+          <p:cNvSpPr txBox="1"/>
           <p:nvPr/>
         </p:nvSpPr>
         <p:spPr>
-          <a:xfrm rot="0">
-            <a:off x="1028700" y="1171575"/>
+          <a:xfrm>
+            <a:off x="1028700" y="800100"/>
             <a:ext cx="15773855" cy="1306381"/>
           </a:xfrm>
           <a:prstGeom prst="rect">
@@ -3592,12 +3635,12 @@
           </a:prstGeom>
         </p:spPr>
         <p:txBody>
-          <a:bodyPr anchor="t" rtlCol="false" tIns="0" lIns="0" bIns="0" rIns="0">
+          <a:bodyPr lIns="0" tIns="0" rIns="0" bIns="0" rtlCol="0" anchor="t">
             <a:spAutoFit/>
           </a:bodyPr>
           <a:lstStyle/>
           <a:p>
-            <a:pPr marL="0" indent="0" lvl="0">
+            <a:pPr marL="0" lvl="0" indent="0">
               <a:lnSpc>
                 <a:spcPts val="10080"/>
               </a:lnSpc>
@@ -3606,7 +3649,7 @@
               </a:spcBef>
             </a:pPr>
             <a:r>
-              <a:rPr lang="en-US" sz="9600">
+              <a:rPr lang="en-US" sz="9600" dirty="0">
                 <a:solidFill>
                   <a:srgbClr val="036201"/>
                 </a:solidFill>
@@ -3615,7 +3658,7 @@
               <a:t>Id</a:t>
             </a:r>
             <a:r>
-              <a:rPr lang="en-US" sz="9600" u="none">
+              <a:rPr lang="en-US" sz="9600" u="none" dirty="0">
                 <a:solidFill>
                   <a:srgbClr val="036201"/>
                 </a:solidFill>
@@ -3628,21 +3671,21 @@
       </p:sp>
       <p:pic>
         <p:nvPicPr>
-          <p:cNvPr name="Picture 4" id="4"/>
+          <p:cNvPr id="4" name="Picture 4"/>
           <p:cNvPicPr>
-            <a:picLocks noChangeAspect="true"/>
+            <a:picLocks noChangeAspect="1"/>
           </p:cNvPicPr>
           <p:nvPr/>
         </p:nvPicPr>
         <p:blipFill>
           <a:blip r:embed="rId2"/>
-          <a:srcRect l="0" t="0" r="0" b="0"/>
+          <a:srcRect/>
           <a:stretch>
             <a:fillRect/>
           </a:stretch>
         </p:blipFill>
         <p:spPr>
-          <a:xfrm flipH="false" flipV="false" rot="0">
+          <a:xfrm>
             <a:off x="14502421" y="6570463"/>
             <a:ext cx="7908084" cy="7908084"/>
           </a:xfrm>
@@ -3660,13 +3703,14 @@
 </file>
 
 <file path=ppt/slides/slide4.xml><?xml version="1.0" encoding="utf-8"?>
-<p:sld xmlns:p="http://schemas.openxmlformats.org/presentationml/2006/main" xmlns:a="http://schemas.openxmlformats.org/drawingml/2006/main" xmlns:r="http://schemas.openxmlformats.org/officeDocument/2006/relationships">
+<p:sld xmlns:a="http://schemas.openxmlformats.org/drawingml/2006/main" xmlns:r="http://schemas.openxmlformats.org/officeDocument/2006/relationships" xmlns:p="http://schemas.openxmlformats.org/presentationml/2006/main">
   <p:cSld>
     <p:bg>
       <p:bgPr>
         <a:solidFill>
           <a:srgbClr val="000000"/>
         </a:solidFill>
+        <a:effectLst/>
       </p:bgPr>
     </p:bg>
     <p:spTree>
@@ -3685,12 +3729,12 @@
       </p:grpSpPr>
       <p:sp>
         <p:nvSpPr>
-          <p:cNvPr name="TextBox 2" id="2"/>
-          <p:cNvSpPr txBox="true"/>
+          <p:cNvPr id="2" name="TextBox 2"/>
+          <p:cNvSpPr txBox="1"/>
           <p:nvPr/>
         </p:nvSpPr>
         <p:spPr>
-          <a:xfrm rot="0">
+          <a:xfrm>
             <a:off x="7347114" y="1095375"/>
             <a:ext cx="9912186" cy="1374157"/>
           </a:xfrm>
@@ -3699,12 +3743,12 @@
           </a:prstGeom>
         </p:spPr>
         <p:txBody>
-          <a:bodyPr anchor="t" rtlCol="false" tIns="0" lIns="0" bIns="0" rIns="0">
+          <a:bodyPr lIns="0" tIns="0" rIns="0" bIns="0" rtlCol="0" anchor="t">
             <a:spAutoFit/>
           </a:bodyPr>
           <a:lstStyle/>
           <a:p>
-            <a:pPr algn="r" marL="0" indent="0" lvl="0">
+            <a:pPr marL="0" lvl="0" indent="0" algn="r">
               <a:lnSpc>
                 <a:spcPts val="10847"/>
               </a:lnSpc>
@@ -3735,53 +3779,67 @@
       </p:sp>
       <p:sp>
         <p:nvSpPr>
-          <p:cNvPr name="TextBox 3" id="3"/>
-          <p:cNvSpPr txBox="true"/>
+          <p:cNvPr id="3" name="TextBox 3"/>
+          <p:cNvSpPr txBox="1"/>
           <p:nvPr/>
         </p:nvSpPr>
         <p:spPr>
-          <a:xfrm rot="0">
-            <a:off x="1186051" y="3551681"/>
-            <a:ext cx="8722146" cy="4063036"/>
+          <a:xfrm>
+            <a:off x="1219200" y="2646379"/>
+            <a:ext cx="10624949" cy="6569491"/>
           </a:xfrm>
           <a:prstGeom prst="rect">
             <a:avLst/>
           </a:prstGeom>
         </p:spPr>
         <p:txBody>
-          <a:bodyPr anchor="t" rtlCol="false" tIns="0" lIns="0" bIns="0" rIns="0">
+          <a:bodyPr wrap="square" lIns="0" tIns="0" rIns="0" bIns="0" rtlCol="0" anchor="t">
             <a:spAutoFit/>
           </a:bodyPr>
           <a:lstStyle/>
           <a:p>
-            <a:pPr marL="0" indent="0" lvl="0">
+            <a:pPr marL="457200" lvl="0" indent="-457200">
               <a:lnSpc>
-                <a:spcPts val="3573"/>
+                <a:spcPct val="150000"/>
               </a:lnSpc>
               <a:spcBef>
                 <a:spcPct val="0"/>
               </a:spcBef>
+              <a:buFont typeface="Arial" panose="020B0604020202020204" pitchFamily="34" charset="0"/>
+              <a:buChar char="•"/>
             </a:pPr>
             <a:r>
-              <a:rPr lang="en-US" sz="3162">
+              <a:rPr lang="en-US" sz="3162" dirty="0">
                 <a:solidFill>
                   <a:srgbClr val="FFFFFF"/>
                 </a:solidFill>
                 <a:latin typeface="Vesper Libre Regular"/>
               </a:rPr>
-              <a:t>Our Application has its Own Website and App. We at Ode to Code prov</a:t>
-            </a:r>
-            <a:r>
-              <a:rPr lang="en-US" sz="3162">
+              <a:t>Our Application has its Own Webpage and App. </a:t>
+            </a:r>
+          </a:p>
+          <a:p>
+            <a:pPr marL="457200" lvl="0" indent="-457200">
+              <a:lnSpc>
+                <a:spcPct val="150000"/>
+              </a:lnSpc>
+              <a:spcBef>
+                <a:spcPct val="0"/>
+              </a:spcBef>
+              <a:buFont typeface="Arial" panose="020B0604020202020204" pitchFamily="34" charset="0"/>
+              <a:buChar char="•"/>
+            </a:pPr>
+            <a:r>
+              <a:rPr lang="en-US" sz="3162" dirty="0">
                 <a:solidFill>
                   <a:srgbClr val="FFFFFF"/>
                 </a:solidFill>
                 <a:latin typeface="Vesper Libre Regular"/>
               </a:rPr>
-              <a:t>i</a:t>
-            </a:r>
-            <a:r>
-              <a:rPr lang="en-US" sz="3162" u="none">
+              <a:t>We at Ode to Code provi</a:t>
+            </a:r>
+            <a:r>
+              <a:rPr lang="en-US" sz="3162" u="none" dirty="0">
                 <a:solidFill>
                   <a:srgbClr val="FFFFFF"/>
                 </a:solidFill>
@@ -3790,7 +3848,7 @@
               <a:t>de t</a:t>
             </a:r>
             <a:r>
-              <a:rPr lang="en-US" sz="3162">
+              <a:rPr lang="en-US" sz="3162" dirty="0">
                 <a:solidFill>
                   <a:srgbClr val="FFFFFF"/>
                 </a:solidFill>
@@ -3799,7 +3857,7 @@
               <a:t>h</a:t>
             </a:r>
             <a:r>
-              <a:rPr lang="en-US" sz="3162" u="none">
+              <a:rPr lang="en-US" sz="3162" u="none" dirty="0">
                 <a:solidFill>
                   <a:srgbClr val="FFFFFF"/>
                 </a:solidFill>
@@ -3808,7 +3866,7 @@
               <a:t>e Predictions of Stock Prices of various companies </a:t>
             </a:r>
             <a:r>
-              <a:rPr lang="en-US" sz="3162">
+              <a:rPr lang="en-US" sz="3162" dirty="0">
                 <a:solidFill>
                   <a:srgbClr val="FFFFFF"/>
                 </a:solidFill>
@@ -3817,7 +3875,7 @@
               <a:t>li</a:t>
             </a:r>
             <a:r>
-              <a:rPr lang="en-US" sz="3162" u="none">
+              <a:rPr lang="en-US" sz="3162" u="none" dirty="0">
                 <a:solidFill>
                   <a:srgbClr val="FFFFFF"/>
                 </a:solidFill>
@@ -3826,7 +3884,7 @@
               <a:t>sted in NSE and Forei</a:t>
             </a:r>
             <a:r>
-              <a:rPr lang="en-US" sz="3162">
+              <a:rPr lang="en-US" sz="3162" dirty="0">
                 <a:solidFill>
                   <a:srgbClr val="FFFFFF"/>
                 </a:solidFill>
@@ -3835,7 +3893,7 @@
               <a:t>g</a:t>
             </a:r>
             <a:r>
-              <a:rPr lang="en-US" sz="3162" u="none">
+              <a:rPr lang="en-US" sz="3162" u="none" dirty="0">
                 <a:solidFill>
                   <a:srgbClr val="FFFFFF"/>
                 </a:solidFill>
@@ -3844,7 +3902,7 @@
               <a:t>n S</a:t>
             </a:r>
             <a:r>
-              <a:rPr lang="en-US" sz="3162">
+              <a:rPr lang="en-US" sz="3162" dirty="0">
                 <a:solidFill>
                   <a:srgbClr val="FFFFFF"/>
                 </a:solidFill>
@@ -3853,7 +3911,7 @@
               <a:t>t</a:t>
             </a:r>
             <a:r>
-              <a:rPr lang="en-US" sz="3162" u="none">
+              <a:rPr lang="en-US" sz="3162" u="none" dirty="0">
                 <a:solidFill>
                   <a:srgbClr val="FFFFFF"/>
                 </a:solidFill>
@@ -3862,7 +3920,7 @@
               <a:t>ock</a:t>
             </a:r>
             <a:r>
-              <a:rPr lang="en-US" sz="3162">
+              <a:rPr lang="en-US" sz="3162" dirty="0">
                 <a:solidFill>
                   <a:srgbClr val="FFFFFF"/>
                 </a:solidFill>
@@ -3871,34 +3929,76 @@
               <a:t> </a:t>
             </a:r>
             <a:r>
-              <a:rPr lang="en-US" sz="3162" u="none">
+              <a:rPr lang="en-US" sz="3162" u="none" dirty="0">
                 <a:solidFill>
                   <a:srgbClr val="FFFFFF"/>
                 </a:solidFill>
                 <a:latin typeface="Vesper Libre Regular"/>
               </a:rPr>
-              <a:t>Exchange. It's still a difficult task to predict the exact values of the Stock Prices but we provide at par predictions to find the best accurate prices.Our App and Web has various features like: Market rates, company details, stock price, comparisions</a:t>
+              <a:t>Exchange. </a:t>
+            </a:r>
+          </a:p>
+          <a:p>
+            <a:pPr marL="457200" lvl="0" indent="-457200">
+              <a:lnSpc>
+                <a:spcPct val="150000"/>
+              </a:lnSpc>
+              <a:spcBef>
+                <a:spcPct val="0"/>
+              </a:spcBef>
+              <a:buFont typeface="Arial" panose="020B0604020202020204" pitchFamily="34" charset="0"/>
+              <a:buChar char="•"/>
+            </a:pPr>
+            <a:r>
+              <a:rPr lang="en-US" sz="3162" u="none" dirty="0">
+                <a:solidFill>
+                  <a:srgbClr val="FFFFFF"/>
+                </a:solidFill>
+                <a:latin typeface="Vesper Libre Regular"/>
+              </a:rPr>
+              <a:t>It's still a difficult task to predict the exact values of the Stock Prices but we provide at par predictions to find the best accurate prices.</a:t>
+            </a:r>
+          </a:p>
+          <a:p>
+            <a:pPr marL="457200" lvl="0" indent="-457200">
+              <a:lnSpc>
+                <a:spcPct val="150000"/>
+              </a:lnSpc>
+              <a:spcBef>
+                <a:spcPct val="0"/>
+              </a:spcBef>
+              <a:buFont typeface="Arial" panose="020B0604020202020204" pitchFamily="34" charset="0"/>
+              <a:buChar char="•"/>
+            </a:pPr>
+            <a:r>
+              <a:rPr lang="en-US" sz="3162" u="none" dirty="0">
+                <a:solidFill>
+                  <a:srgbClr val="FFFFFF"/>
+                </a:solidFill>
+                <a:latin typeface="Vesper Libre Regular"/>
+              </a:rPr>
+              <a:t>Our App and Web has various features like: Market rates, company details, stock price, comparisons.</a:t>
             </a:r>
           </a:p>
         </p:txBody>
       </p:sp>
       <p:pic>
         <p:nvPicPr>
-          <p:cNvPr name="Picture 4" id="4"/>
+          <p:cNvPr id="4" name="Picture 4"/>
           <p:cNvPicPr>
-            <a:picLocks noChangeAspect="true"/>
+            <a:picLocks noChangeAspect="1"/>
           </p:cNvPicPr>
           <p:nvPr/>
         </p:nvPicPr>
         <p:blipFill>
           <a:blip r:embed="rId2"/>
-          <a:srcRect l="0" t="0" r="0" b="0"/>
+          <a:srcRect/>
           <a:stretch>
             <a:fillRect/>
           </a:stretch>
         </p:blipFill>
         <p:spPr>
-          <a:xfrm flipH="false" flipV="false" rot="0">
+          <a:xfrm>
             <a:off x="14157746" y="6400800"/>
             <a:ext cx="7003209" cy="7003209"/>
           </a:xfrm>
@@ -3916,13 +4016,14 @@
 </file>
 
 <file path=ppt/slides/slide5.xml><?xml version="1.0" encoding="utf-8"?>
-<p:sld xmlns:p="http://schemas.openxmlformats.org/presentationml/2006/main" xmlns:a="http://schemas.openxmlformats.org/drawingml/2006/main" xmlns:r="http://schemas.openxmlformats.org/officeDocument/2006/relationships">
+<p:sld xmlns:a="http://schemas.openxmlformats.org/drawingml/2006/main" xmlns:r="http://schemas.openxmlformats.org/officeDocument/2006/relationships" xmlns:p="http://schemas.openxmlformats.org/presentationml/2006/main">
   <p:cSld>
     <p:bg>
       <p:bgPr>
         <a:solidFill>
           <a:srgbClr val="000000"/>
         </a:solidFill>
+        <a:effectLst/>
       </p:bgPr>
     </p:bg>
     <p:spTree>
@@ -3941,21 +4042,21 @@
       </p:grpSpPr>
       <p:pic>
         <p:nvPicPr>
-          <p:cNvPr name="Picture 2" id="2"/>
+          <p:cNvPr id="2" name="Picture 2"/>
           <p:cNvPicPr>
-            <a:picLocks noChangeAspect="true"/>
+            <a:picLocks noChangeAspect="1"/>
           </p:cNvPicPr>
           <p:nvPr/>
         </p:nvPicPr>
         <p:blipFill>
           <a:blip r:embed="rId2"/>
-          <a:srcRect l="0" t="0" r="0" b="0"/>
+          <a:srcRect/>
           <a:stretch>
             <a:fillRect/>
           </a:stretch>
         </p:blipFill>
         <p:spPr>
-          <a:xfrm flipH="false" flipV="false" rot="0">
+          <a:xfrm>
             <a:off x="10277867" y="1444879"/>
             <a:ext cx="7397243" cy="7397243"/>
           </a:xfrm>
@@ -3966,26 +4067,26 @@
       </p:pic>
       <p:grpSp>
         <p:nvGrpSpPr>
-          <p:cNvPr name="Group 3" id="3"/>
+          <p:cNvPr id="3" name="Group 3"/>
           <p:cNvGrpSpPr/>
           <p:nvPr/>
         </p:nvGrpSpPr>
         <p:grpSpPr>
-          <a:xfrm rot="0">
-            <a:off x="1028700" y="1028700"/>
-            <a:ext cx="8350086" cy="2120842"/>
-            <a:chOff x="0" y="0"/>
-            <a:chExt cx="11133448" cy="2827789"/>
+          <a:xfrm>
+            <a:off x="1028700" y="749466"/>
+            <a:ext cx="8350086" cy="2400077"/>
+            <a:chOff x="0" y="-372312"/>
+            <a:chExt cx="11133448" cy="3200101"/>
           </a:xfrm>
         </p:grpSpPr>
         <p:sp>
           <p:nvSpPr>
-            <p:cNvPr name="TextBox 4" id="4"/>
-            <p:cNvSpPr txBox="true"/>
+            <p:cNvPr id="4" name="TextBox 4"/>
+            <p:cNvSpPr txBox="1"/>
             <p:nvPr/>
           </p:nvSpPr>
           <p:spPr>
-            <a:xfrm rot="0">
+            <a:xfrm>
               <a:off x="0" y="2419584"/>
               <a:ext cx="5566724" cy="408205"/>
             </a:xfrm>
@@ -3994,7 +4095,7 @@
             </a:prstGeom>
           </p:spPr>
           <p:txBody>
-            <a:bodyPr anchor="t" rtlCol="false" tIns="0" lIns="0" bIns="0" rIns="0">
+            <a:bodyPr lIns="0" tIns="0" rIns="0" bIns="0" rtlCol="0" anchor="t">
               <a:spAutoFit/>
             </a:bodyPr>
             <a:lstStyle/>
@@ -4007,18 +4108,19 @@
                   <a:spcPct val="0"/>
                 </a:spcBef>
               </a:pPr>
+              <a:endParaRPr/>
             </a:p>
           </p:txBody>
         </p:sp>
         <p:sp>
           <p:nvSpPr>
-            <p:cNvPr name="TextBox 5" id="5"/>
-            <p:cNvSpPr txBox="true"/>
+            <p:cNvPr id="5" name="TextBox 5"/>
+            <p:cNvSpPr txBox="1"/>
             <p:nvPr/>
           </p:nvSpPr>
           <p:spPr>
-            <a:xfrm rot="0">
-              <a:off x="0" y="66675"/>
+            <a:xfrm>
+              <a:off x="0" y="-372312"/>
               <a:ext cx="11133448" cy="1854434"/>
             </a:xfrm>
             <a:prstGeom prst="rect">
@@ -4026,12 +4128,12 @@
             </a:prstGeom>
           </p:spPr>
           <p:txBody>
-            <a:bodyPr anchor="t" rtlCol="false" tIns="0" lIns="0" bIns="0" rIns="0">
+            <a:bodyPr lIns="0" tIns="0" rIns="0" bIns="0" rtlCol="0" anchor="t">
               <a:spAutoFit/>
             </a:bodyPr>
             <a:lstStyle/>
             <a:p>
-              <a:pPr marL="0" indent="0" lvl="0">
+              <a:pPr marL="0" lvl="0" indent="0">
                 <a:lnSpc>
                   <a:spcPts val="10847"/>
                 </a:lnSpc>
@@ -4040,7 +4142,7 @@
                 </a:spcBef>
               </a:pPr>
               <a:r>
-                <a:rPr lang="en-US" sz="9599">
+                <a:rPr lang="en-US" sz="9599" dirty="0">
                   <a:solidFill>
                     <a:srgbClr val="FFFFFF"/>
                   </a:solidFill>
@@ -4054,54 +4156,94 @@
       </p:grpSp>
       <p:sp>
         <p:nvSpPr>
-          <p:cNvPr name="TextBox 6" id="6"/>
-          <p:cNvSpPr txBox="true"/>
+          <p:cNvPr id="6" name="TextBox 6"/>
+          <p:cNvSpPr txBox="1"/>
           <p:nvPr/>
         </p:nvSpPr>
         <p:spPr>
-          <a:xfrm rot="0">
-            <a:off x="1028700" y="2848705"/>
-            <a:ext cx="8675405" cy="3951605"/>
+          <a:xfrm>
+            <a:off x="1028700" y="2124367"/>
+            <a:ext cx="8675405" cy="7295395"/>
           </a:xfrm>
           <a:prstGeom prst="rect">
             <a:avLst/>
           </a:prstGeom>
         </p:spPr>
         <p:txBody>
-          <a:bodyPr anchor="t" rtlCol="false" tIns="0" lIns="0" bIns="0" rIns="0">
+          <a:bodyPr lIns="0" tIns="0" rIns="0" bIns="0" rtlCol="0" anchor="t">
             <a:spAutoFit/>
           </a:bodyPr>
           <a:lstStyle/>
           <a:p>
-            <a:pPr>
+            <a:pPr marL="457200" indent="-457200">
               <a:lnSpc>
-                <a:spcPts val="4480"/>
+                <a:spcPct val="150000"/>
               </a:lnSpc>
+              <a:buFont typeface="Arial" panose="020B0604020202020204" pitchFamily="34" charset="0"/>
+              <a:buChar char="•"/>
             </a:pPr>
             <a:r>
-              <a:rPr lang="en-US" sz="3200">
+              <a:rPr lang="en-US" sz="3200" dirty="0">
                 <a:solidFill>
                   <a:srgbClr val="FFFFFF"/>
                 </a:solidFill>
                 <a:latin typeface="Arimo"/>
               </a:rPr>
-              <a:t>1. Use training in GPU(Colab) and save the model and import the model to find the Predictions.</a:t>
-            </a:r>
-          </a:p>
-          <a:p>
-            <a:pPr algn="l">
-              <a:lnSpc>
-                <a:spcPts val="4480"/>
-              </a:lnSpc>
-            </a:pPr>
-            <a:r>
-              <a:rPr lang="en-US" sz="3200">
+              <a:t>Use training in GPU(</a:t>
+            </a:r>
+            <a:r>
+              <a:rPr lang="en-US" sz="3200" dirty="0" err="1">
                 <a:solidFill>
                   <a:srgbClr val="FFFFFF"/>
                 </a:solidFill>
                 <a:latin typeface="Arimo"/>
               </a:rPr>
-              <a:t>2. Use training data from past years to starting of September 2020 and using data from 1st September 2020 to 24th September 2020 as the validation data.</a:t>
+              <a:t>Colab</a:t>
+            </a:r>
+            <a:r>
+              <a:rPr lang="en-US" sz="3200" dirty="0">
+                <a:solidFill>
+                  <a:srgbClr val="FFFFFF"/>
+                </a:solidFill>
+                <a:latin typeface="Arimo"/>
+              </a:rPr>
+              <a:t>) and save the model and import the model to find the Predictions.</a:t>
+            </a:r>
+          </a:p>
+          <a:p>
+            <a:pPr marL="457200" indent="-457200" algn="l">
+              <a:lnSpc>
+                <a:spcPct val="150000"/>
+              </a:lnSpc>
+              <a:buFont typeface="Arial" panose="020B0604020202020204" pitchFamily="34" charset="0"/>
+              <a:buChar char="•"/>
+            </a:pPr>
+            <a:r>
+              <a:rPr lang="en-US" sz="3200" dirty="0">
+                <a:solidFill>
+                  <a:srgbClr val="FFFFFF"/>
+                </a:solidFill>
+                <a:latin typeface="Arimo"/>
+              </a:rPr>
+              <a:t>Use training data from past years to starting of September 2020 and using data from 1st September 2020 to 24th September 2020 as the validation data.</a:t>
+            </a:r>
+          </a:p>
+          <a:p>
+            <a:pPr marL="457200" indent="-457200" algn="l">
+              <a:lnSpc>
+                <a:spcPct val="150000"/>
+              </a:lnSpc>
+              <a:buFont typeface="Arial" panose="020B0604020202020204" pitchFamily="34" charset="0"/>
+              <a:buChar char="•"/>
+            </a:pPr>
+            <a:r>
+              <a:rPr lang="en-US" sz="3200" dirty="0">
+                <a:solidFill>
+                  <a:srgbClr val="FFFFFF"/>
+                </a:solidFill>
+                <a:latin typeface="Arimo"/>
+              </a:rPr>
+              <a:t>Saving multiple trained models so as to get better results and formation of support code to implement trained model on new data.</a:t>
             </a:r>
           </a:p>
         </p:txBody>
@@ -4115,7 +4257,7 @@
 </file>
 
 <file path=ppt/slides/slide6.xml><?xml version="1.0" encoding="utf-8"?>
-<p:sld xmlns:p="http://schemas.openxmlformats.org/presentationml/2006/main" xmlns:a="http://schemas.openxmlformats.org/drawingml/2006/main" xmlns:r="http://schemas.openxmlformats.org/officeDocument/2006/relationships">
+<p:sld xmlns:a="http://schemas.openxmlformats.org/drawingml/2006/main" xmlns:r="http://schemas.openxmlformats.org/officeDocument/2006/relationships" xmlns:p="http://schemas.openxmlformats.org/presentationml/2006/main">
   <p:cSld>
     <p:spTree>
       <p:nvGrpSpPr>
@@ -4133,12 +4275,12 @@
       </p:grpSpPr>
       <p:sp>
         <p:nvSpPr>
-          <p:cNvPr name="TextBox 2" id="2"/>
-          <p:cNvSpPr txBox="true"/>
+          <p:cNvPr id="2" name="TextBox 2"/>
+          <p:cNvSpPr txBox="1"/>
           <p:nvPr/>
         </p:nvSpPr>
         <p:spPr>
-          <a:xfrm rot="0">
+          <a:xfrm>
             <a:off x="10833264" y="6956924"/>
             <a:ext cx="6426036" cy="2729645"/>
           </a:xfrm>
@@ -4147,12 +4289,12 @@
           </a:prstGeom>
         </p:spPr>
         <p:txBody>
-          <a:bodyPr anchor="t" rtlCol="false" tIns="0" lIns="0" bIns="0" rIns="0">
+          <a:bodyPr lIns="0" tIns="0" rIns="0" bIns="0" rtlCol="0" anchor="t">
             <a:spAutoFit/>
           </a:bodyPr>
           <a:lstStyle/>
           <a:p>
-            <a:pPr algn="r" marL="0" indent="0" lvl="0">
+            <a:pPr marL="0" lvl="0" indent="0" algn="r">
               <a:lnSpc>
                 <a:spcPts val="10847"/>
               </a:lnSpc>
@@ -4183,62 +4325,184 @@
       </p:sp>
       <p:sp>
         <p:nvSpPr>
-          <p:cNvPr name="TextBox 3" id="3"/>
-          <p:cNvSpPr txBox="true"/>
+          <p:cNvPr id="3" name="TextBox 3"/>
+          <p:cNvSpPr txBox="1"/>
           <p:nvPr/>
         </p:nvSpPr>
         <p:spPr>
-          <a:xfrm rot="0">
+          <a:xfrm>
             <a:off x="1028700" y="2431789"/>
-            <a:ext cx="8359326" cy="2711711"/>
+            <a:ext cx="9804564" cy="8029378"/>
           </a:xfrm>
           <a:prstGeom prst="rect">
             <a:avLst/>
           </a:prstGeom>
         </p:spPr>
         <p:txBody>
-          <a:bodyPr anchor="t" rtlCol="false" tIns="0" lIns="0" bIns="0" rIns="0">
+          <a:bodyPr wrap="square" lIns="0" tIns="0" rIns="0" bIns="0" rtlCol="0" anchor="t">
             <a:spAutoFit/>
           </a:bodyPr>
           <a:lstStyle/>
           <a:p>
-            <a:pPr marL="0" indent="0" lvl="0">
+            <a:pPr marL="457200" lvl="0" indent="-457200">
               <a:lnSpc>
-                <a:spcPts val="3573"/>
+                <a:spcPct val="150000"/>
               </a:lnSpc>
               <a:spcBef>
                 <a:spcPct val="0"/>
               </a:spcBef>
+              <a:buFont typeface="Arial" panose="020B0604020202020204" pitchFamily="34" charset="0"/>
+              <a:buChar char="•"/>
             </a:pPr>
             <a:r>
-              <a:rPr lang="en-US" sz="3162">
+              <a:rPr lang="en-US" sz="3162" dirty="0">
                 <a:solidFill>
                   <a:srgbClr val="000000"/>
                 </a:solidFill>
                 <a:latin typeface="Vesper Libre Regular"/>
               </a:rPr>
-              <a:t>Journey through this 36 hours was really amazing. we faced a lot of hurdles in integrating the front end and the backend but the mentors were amazing they helped us in solving our problem. the overall coordination of the HackSprint 2.0 is really amazing.</a:t>
-            </a:r>
+              <a:t>Inclusion of infographics to measure the Precision of our model. </a:t>
+            </a:r>
+          </a:p>
+          <a:p>
+            <a:pPr marL="457200" lvl="0" indent="-457200">
+              <a:lnSpc>
+                <a:spcPct val="150000"/>
+              </a:lnSpc>
+              <a:spcBef>
+                <a:spcPct val="0"/>
+              </a:spcBef>
+              <a:buFont typeface="Arial" panose="020B0604020202020204" pitchFamily="34" charset="0"/>
+              <a:buChar char="•"/>
+            </a:pPr>
+            <a:r>
+              <a:rPr lang="en-US" sz="3162" dirty="0">
+                <a:solidFill>
+                  <a:srgbClr val="000000"/>
+                </a:solidFill>
+                <a:latin typeface="Vesper Libre Regular"/>
+              </a:rPr>
+              <a:t>Connecting the final Model with frontend using flask.</a:t>
+            </a:r>
+          </a:p>
+          <a:p>
+            <a:pPr marL="457200" lvl="0" indent="-457200">
+              <a:lnSpc>
+                <a:spcPct val="150000"/>
+              </a:lnSpc>
+              <a:spcBef>
+                <a:spcPct val="0"/>
+              </a:spcBef>
+              <a:buFont typeface="Arial" panose="020B0604020202020204" pitchFamily="34" charset="0"/>
+              <a:buChar char="•"/>
+            </a:pPr>
+            <a:r>
+              <a:rPr lang="en-US" sz="3162" dirty="0">
+                <a:solidFill>
+                  <a:srgbClr val="000000"/>
+                </a:solidFill>
+                <a:latin typeface="Vesper Libre Regular"/>
+              </a:rPr>
+              <a:t>Addition of live running stock prices on the news tab of our webpage.</a:t>
+            </a:r>
+          </a:p>
+          <a:p>
+            <a:pPr marL="457200" lvl="0" indent="-457200">
+              <a:lnSpc>
+                <a:spcPct val="150000"/>
+              </a:lnSpc>
+              <a:spcBef>
+                <a:spcPct val="0"/>
+              </a:spcBef>
+              <a:buFont typeface="Arial" panose="020B0604020202020204" pitchFamily="34" charset="0"/>
+              <a:buChar char="•"/>
+            </a:pPr>
+            <a:r>
+              <a:rPr lang="en-US" sz="3162" dirty="0">
+                <a:solidFill>
+                  <a:srgbClr val="000000"/>
+                </a:solidFill>
+                <a:latin typeface="Vesper Libre Regular"/>
+              </a:rPr>
+              <a:t>All the 36 </a:t>
+            </a:r>
+            <a:r>
+              <a:rPr lang="en-US" sz="3162" dirty="0" err="1">
+                <a:solidFill>
+                  <a:srgbClr val="000000"/>
+                </a:solidFill>
+                <a:latin typeface="Vesper Libre Regular"/>
+              </a:rPr>
+              <a:t>hrs</a:t>
+            </a:r>
+            <a:r>
+              <a:rPr lang="en-US" sz="3162" dirty="0">
+                <a:solidFill>
+                  <a:srgbClr val="000000"/>
+                </a:solidFill>
+                <a:latin typeface="Vesper Libre Regular"/>
+              </a:rPr>
+              <a:t> of hackathon was a great journey of learning and knowledge sharing.</a:t>
+            </a:r>
+          </a:p>
+          <a:p>
+            <a:pPr marL="457200" lvl="0" indent="-457200">
+              <a:lnSpc>
+                <a:spcPct val="150000"/>
+              </a:lnSpc>
+              <a:spcBef>
+                <a:spcPct val="0"/>
+              </a:spcBef>
+              <a:buFont typeface="Arial" panose="020B0604020202020204" pitchFamily="34" charset="0"/>
+              <a:buChar char="•"/>
+            </a:pPr>
+            <a:r>
+              <a:rPr lang="en-US" sz="3162" dirty="0">
+                <a:solidFill>
+                  <a:srgbClr val="000000"/>
+                </a:solidFill>
+                <a:latin typeface="Vesper Libre Regular"/>
+              </a:rPr>
+              <a:t>Challenges were faced in the sectors of connection and model implementation which was accomplished through mentor’s advice.</a:t>
+            </a:r>
+          </a:p>
+          <a:p>
+            <a:pPr marL="457200" lvl="0" indent="-457200">
+              <a:lnSpc>
+                <a:spcPct val="150000"/>
+              </a:lnSpc>
+              <a:spcBef>
+                <a:spcPct val="0"/>
+              </a:spcBef>
+              <a:buFont typeface="Arial" panose="020B0604020202020204" pitchFamily="34" charset="0"/>
+              <a:buChar char="•"/>
+            </a:pPr>
+            <a:endParaRPr lang="en-US" sz="3162" dirty="0">
+              <a:solidFill>
+                <a:srgbClr val="000000"/>
+              </a:solidFill>
+              <a:latin typeface="Vesper Libre Regular"/>
+            </a:endParaRPr>
           </a:p>
         </p:txBody>
       </p:sp>
       <p:pic>
         <p:nvPicPr>
-          <p:cNvPr name="Picture 4" id="4"/>
+          <p:cNvPr id="4" name="Picture 4"/>
           <p:cNvPicPr>
-            <a:picLocks noChangeAspect="true"/>
+            <a:picLocks noChangeAspect="1"/>
           </p:cNvPicPr>
           <p:nvPr/>
         </p:nvPicPr>
         <p:blipFill>
           <a:blip r:embed="rId2"/>
-          <a:srcRect l="0" t="0" r="0" b="0"/>
+          <a:srcRect/>
           <a:stretch>
             <a:fillRect/>
           </a:stretch>
         </p:blipFill>
         <p:spPr>
-          <a:xfrm flipH="false" flipV="false" rot="0">
+          <a:xfrm>
             <a:off x="14272046" y="-3501604"/>
             <a:ext cx="7003209" cy="7003209"/>
           </a:xfrm>
